--- a/2_ADF/PPT/2_Activities/2_Data Transformation Activities/1_Data Flow/1_Multiple inputs-outputs/2_Conditional Split/1_Conditional Spli.pptx
+++ b/2_ADF/PPT/2_Activities/2_Data Transformation Activities/1_Data Flow/1_Multiple inputs-outputs/2_Conditional Split/1_Conditional Spli.pptx
@@ -5,7 +5,10 @@
     <p:sldMasterId id="2147483648" r:id="rId1"/>
   </p:sldMasterIdLst>
   <p:sldIdLst>
-    <p:sldId id="256" r:id="rId2"/>
+    <p:sldId id="298" r:id="rId2"/>
+    <p:sldId id="299" r:id="rId3"/>
+    <p:sldId id="302" r:id="rId4"/>
+    <p:sldId id="256" r:id="rId5"/>
   </p:sldIdLst>
   <p:sldSz cx="12192000" cy="6858000"/>
   <p:notesSz cx="6858000" cy="9144000"/>
@@ -104,6 +107,11 @@
       </a:defRPr>
     </a:lvl9pPr>
   </p:defaultTextStyle>
+  <p:extLst>
+    <p:ext uri="{EFAFB233-063F-42B5-8137-9DF3F51BA10A}">
+      <p15:sldGuideLst xmlns:p15="http://schemas.microsoft.com/office/powerpoint/2012/main"/>
+    </p:ext>
+  </p:extLst>
 </p:presentation>
 </file>
 
@@ -256,7 +264,7 @@
           <a:p>
             <a:fld id="{3FC47F54-1D7A-41B4-94C5-8F8E7575798E}" type="datetimeFigureOut">
               <a:rPr lang="en-IN" smtClean="0"/>
-              <a:t>31-01-2023</a:t>
+              <a:t>13-02-2023</a:t>
             </a:fld>
             <a:endParaRPr lang="en-IN"/>
           </a:p>
@@ -456,7 +464,7 @@
           <a:p>
             <a:fld id="{3FC47F54-1D7A-41B4-94C5-8F8E7575798E}" type="datetimeFigureOut">
               <a:rPr lang="en-IN" smtClean="0"/>
-              <a:t>31-01-2023</a:t>
+              <a:t>13-02-2023</a:t>
             </a:fld>
             <a:endParaRPr lang="en-IN"/>
           </a:p>
@@ -666,7 +674,7 @@
           <a:p>
             <a:fld id="{3FC47F54-1D7A-41B4-94C5-8F8E7575798E}" type="datetimeFigureOut">
               <a:rPr lang="en-IN" smtClean="0"/>
-              <a:t>31-01-2023</a:t>
+              <a:t>13-02-2023</a:t>
             </a:fld>
             <a:endParaRPr lang="en-IN"/>
           </a:p>
@@ -866,7 +874,7 @@
           <a:p>
             <a:fld id="{3FC47F54-1D7A-41B4-94C5-8F8E7575798E}" type="datetimeFigureOut">
               <a:rPr lang="en-IN" smtClean="0"/>
-              <a:t>31-01-2023</a:t>
+              <a:t>13-02-2023</a:t>
             </a:fld>
             <a:endParaRPr lang="en-IN"/>
           </a:p>
@@ -1142,7 +1150,7 @@
           <a:p>
             <a:fld id="{3FC47F54-1D7A-41B4-94C5-8F8E7575798E}" type="datetimeFigureOut">
               <a:rPr lang="en-IN" smtClean="0"/>
-              <a:t>31-01-2023</a:t>
+              <a:t>13-02-2023</a:t>
             </a:fld>
             <a:endParaRPr lang="en-IN"/>
           </a:p>
@@ -1410,7 +1418,7 @@
           <a:p>
             <a:fld id="{3FC47F54-1D7A-41B4-94C5-8F8E7575798E}" type="datetimeFigureOut">
               <a:rPr lang="en-IN" smtClean="0"/>
-              <a:t>31-01-2023</a:t>
+              <a:t>13-02-2023</a:t>
             </a:fld>
             <a:endParaRPr lang="en-IN"/>
           </a:p>
@@ -1825,7 +1833,7 @@
           <a:p>
             <a:fld id="{3FC47F54-1D7A-41B4-94C5-8F8E7575798E}" type="datetimeFigureOut">
               <a:rPr lang="en-IN" smtClean="0"/>
-              <a:t>31-01-2023</a:t>
+              <a:t>13-02-2023</a:t>
             </a:fld>
             <a:endParaRPr lang="en-IN"/>
           </a:p>
@@ -1967,7 +1975,7 @@
           <a:p>
             <a:fld id="{3FC47F54-1D7A-41B4-94C5-8F8E7575798E}" type="datetimeFigureOut">
               <a:rPr lang="en-IN" smtClean="0"/>
-              <a:t>31-01-2023</a:t>
+              <a:t>13-02-2023</a:t>
             </a:fld>
             <a:endParaRPr lang="en-IN"/>
           </a:p>
@@ -2080,7 +2088,7 @@
           <a:p>
             <a:fld id="{3FC47F54-1D7A-41B4-94C5-8F8E7575798E}" type="datetimeFigureOut">
               <a:rPr lang="en-IN" smtClean="0"/>
-              <a:t>31-01-2023</a:t>
+              <a:t>13-02-2023</a:t>
             </a:fld>
             <a:endParaRPr lang="en-IN"/>
           </a:p>
@@ -2393,7 +2401,7 @@
           <a:p>
             <a:fld id="{3FC47F54-1D7A-41B4-94C5-8F8E7575798E}" type="datetimeFigureOut">
               <a:rPr lang="en-IN" smtClean="0"/>
-              <a:t>31-01-2023</a:t>
+              <a:t>13-02-2023</a:t>
             </a:fld>
             <a:endParaRPr lang="en-IN"/>
           </a:p>
@@ -2682,7 +2690,7 @@
           <a:p>
             <a:fld id="{3FC47F54-1D7A-41B4-94C5-8F8E7575798E}" type="datetimeFigureOut">
               <a:rPr lang="en-IN" smtClean="0"/>
-              <a:t>31-01-2023</a:t>
+              <a:t>13-02-2023</a:t>
             </a:fld>
             <a:endParaRPr lang="en-IN"/>
           </a:p>
@@ -2925,7 +2933,7 @@
           <a:p>
             <a:fld id="{3FC47F54-1D7A-41B4-94C5-8F8E7575798E}" type="datetimeFigureOut">
               <a:rPr lang="en-IN" smtClean="0"/>
-              <a:t>31-01-2023</a:t>
+              <a:t>13-02-2023</a:t>
             </a:fld>
             <a:endParaRPr lang="en-IN"/>
           </a:p>
@@ -3326,6 +3334,785 @@
 </file>
 
 <file path=ppt/slides/slide1.xml><?xml version="1.0" encoding="utf-8"?>
+<p:sld xmlns:a="http://schemas.openxmlformats.org/drawingml/2006/main" xmlns:r="http://schemas.openxmlformats.org/officeDocument/2006/relationships" xmlns:p="http://schemas.openxmlformats.org/presentationml/2006/main">
+  <p:cSld>
+    <p:spTree>
+      <p:nvGrpSpPr>
+        <p:cNvPr id="1" name=""/>
+        <p:cNvGrpSpPr/>
+        <p:nvPr/>
+      </p:nvGrpSpPr>
+      <p:grpSpPr>
+        <a:xfrm>
+          <a:off x="0" y="0"/>
+          <a:ext cx="0" cy="0"/>
+          <a:chOff x="0" y="0"/>
+          <a:chExt cx="0" cy="0"/>
+        </a:xfrm>
+      </p:grpSpPr>
+      <p:pic>
+        <p:nvPicPr>
+          <p:cNvPr id="3" name="Picture 2">
+            <a:extLst>
+              <a:ext uri="{FF2B5EF4-FFF2-40B4-BE49-F238E27FC236}">
+                <a16:creationId xmlns:a16="http://schemas.microsoft.com/office/drawing/2014/main" id="{E3C1EAFF-0661-4FF4-8E6A-DAAEC6D3E2A1}"/>
+              </a:ext>
+            </a:extLst>
+          </p:cNvPr>
+          <p:cNvPicPr>
+            <a:picLocks noChangeAspect="1"/>
+          </p:cNvPicPr>
+          <p:nvPr/>
+        </p:nvPicPr>
+        <p:blipFill rotWithShape="1">
+          <a:blip r:embed="rId2"/>
+          <a:srcRect l="4729" t="25106" r="42878" b="44217"/>
+          <a:stretch/>
+        </p:blipFill>
+        <p:spPr>
+          <a:xfrm>
+            <a:off x="211686" y="739940"/>
+            <a:ext cx="4222292" cy="1545141"/>
+          </a:xfrm>
+          <a:prstGeom prst="rect">
+            <a:avLst/>
+          </a:prstGeom>
+        </p:spPr>
+      </p:pic>
+      <p:pic>
+        <p:nvPicPr>
+          <p:cNvPr id="4" name="Picture 3">
+            <a:extLst>
+              <a:ext uri="{FF2B5EF4-FFF2-40B4-BE49-F238E27FC236}">
+                <a16:creationId xmlns:a16="http://schemas.microsoft.com/office/drawing/2014/main" id="{69FF50B4-DCA4-4A5F-8608-6DE243FCDEB0}"/>
+              </a:ext>
+            </a:extLst>
+          </p:cNvPr>
+          <p:cNvPicPr>
+            <a:picLocks noChangeAspect="1"/>
+          </p:cNvPicPr>
+          <p:nvPr/>
+        </p:nvPicPr>
+        <p:blipFill rotWithShape="1">
+          <a:blip r:embed="rId2"/>
+          <a:srcRect l="7920" t="69581" r="48944" b="12057"/>
+          <a:stretch/>
+        </p:blipFill>
+        <p:spPr>
+          <a:xfrm>
+            <a:off x="182501" y="2474489"/>
+            <a:ext cx="3647627" cy="970415"/>
+          </a:xfrm>
+          <a:prstGeom prst="rect">
+            <a:avLst/>
+          </a:prstGeom>
+        </p:spPr>
+      </p:pic>
+      <p:sp>
+        <p:nvSpPr>
+          <p:cNvPr id="5" name="TextBox 4">
+            <a:extLst>
+              <a:ext uri="{FF2B5EF4-FFF2-40B4-BE49-F238E27FC236}">
+                <a16:creationId xmlns:a16="http://schemas.microsoft.com/office/drawing/2014/main" id="{7592737D-983C-4AEE-82F6-BFDA22552694}"/>
+              </a:ext>
+            </a:extLst>
+          </p:cNvPr>
+          <p:cNvSpPr txBox="1"/>
+          <p:nvPr/>
+        </p:nvSpPr>
+        <p:spPr>
+          <a:xfrm>
+            <a:off x="161990" y="175913"/>
+            <a:ext cx="1726755" cy="369332"/>
+          </a:xfrm>
+          <a:prstGeom prst="rect">
+            <a:avLst/>
+          </a:prstGeom>
+          <a:noFill/>
+          <a:ln>
+            <a:solidFill>
+              <a:schemeClr val="tx1"/>
+            </a:solidFill>
+          </a:ln>
+        </p:spPr>
+        <p:txBody>
+          <a:bodyPr wrap="none" rtlCol="0">
+            <a:spAutoFit/>
+          </a:bodyPr>
+          <a:lstStyle/>
+          <a:p>
+            <a:pPr marL="0" marR="0" lvl="0" indent="0" algn="l" defTabSz="914400" rtl="0" eaLnBrk="1" fontAlgn="auto" latinLnBrk="0" hangingPunct="1">
+              <a:lnSpc>
+                <a:spcPct val="100000"/>
+              </a:lnSpc>
+              <a:spcBef>
+                <a:spcPts val="0"/>
+              </a:spcBef>
+              <a:spcAft>
+                <a:spcPts val="0"/>
+              </a:spcAft>
+              <a:buClrTx/>
+              <a:buSzTx/>
+              <a:buFontTx/>
+              <a:buNone/>
+              <a:tabLst/>
+              <a:defRPr/>
+            </a:pPr>
+            <a:r>
+              <a:rPr kumimoji="0" lang="en-IN" sz="1800" b="0" i="0" u="none" strike="noStrike" kern="1200" cap="none" spc="0" normalizeH="0" baseline="0" noProof="0" dirty="0">
+                <a:ln>
+                  <a:noFill/>
+                </a:ln>
+                <a:solidFill>
+                  <a:prstClr val="black"/>
+                </a:solidFill>
+                <a:effectLst/>
+                <a:uLnTx/>
+                <a:uFillTx/>
+                <a:latin typeface="Calibri" panose="020F0502020204030204"/>
+                <a:ea typeface="+mn-ea"/>
+                <a:cs typeface="+mn-cs"/>
+              </a:rPr>
+              <a:t>Conditional Split</a:t>
+            </a:r>
+          </a:p>
+        </p:txBody>
+      </p:sp>
+      <p:sp>
+        <p:nvSpPr>
+          <p:cNvPr id="6" name="Rectangle 5">
+            <a:extLst>
+              <a:ext uri="{FF2B5EF4-FFF2-40B4-BE49-F238E27FC236}">
+                <a16:creationId xmlns:a16="http://schemas.microsoft.com/office/drawing/2014/main" id="{1073458C-BB88-4921-813C-5B9C571FCB68}"/>
+              </a:ext>
+            </a:extLst>
+          </p:cNvPr>
+          <p:cNvSpPr/>
+          <p:nvPr/>
+        </p:nvSpPr>
+        <p:spPr>
+          <a:xfrm>
+            <a:off x="161990" y="739941"/>
+            <a:ext cx="4271988" cy="2704964"/>
+          </a:xfrm>
+          <a:prstGeom prst="rect">
+            <a:avLst/>
+          </a:prstGeom>
+          <a:noFill/>
+          <a:ln w="12700">
+            <a:solidFill>
+              <a:schemeClr val="tx1"/>
+            </a:solidFill>
+          </a:ln>
+        </p:spPr>
+        <p:style>
+          <a:lnRef idx="2">
+            <a:schemeClr val="accent1">
+              <a:shade val="50000"/>
+            </a:schemeClr>
+          </a:lnRef>
+          <a:fillRef idx="1">
+            <a:schemeClr val="accent1"/>
+          </a:fillRef>
+          <a:effectRef idx="0">
+            <a:schemeClr val="accent1"/>
+          </a:effectRef>
+          <a:fontRef idx="minor">
+            <a:schemeClr val="lt1"/>
+          </a:fontRef>
+        </p:style>
+        <p:txBody>
+          <a:bodyPr rtlCol="0" anchor="ctr"/>
+          <a:lstStyle/>
+          <a:p>
+            <a:pPr marL="0" marR="0" lvl="0" indent="0" algn="ctr" defTabSz="914400" rtl="0" eaLnBrk="1" fontAlgn="auto" latinLnBrk="0" hangingPunct="1">
+              <a:lnSpc>
+                <a:spcPct val="100000"/>
+              </a:lnSpc>
+              <a:spcBef>
+                <a:spcPts val="0"/>
+              </a:spcBef>
+              <a:spcAft>
+                <a:spcPts val="0"/>
+              </a:spcAft>
+              <a:buClrTx/>
+              <a:buSzTx/>
+              <a:buFontTx/>
+              <a:buNone/>
+              <a:tabLst/>
+              <a:defRPr/>
+            </a:pPr>
+            <a:endParaRPr kumimoji="0" lang="en-IN" sz="1800" b="0" i="0" u="none" strike="noStrike" kern="1200" cap="none" spc="0" normalizeH="0" baseline="0" noProof="0">
+              <a:ln>
+                <a:noFill/>
+              </a:ln>
+              <a:solidFill>
+                <a:prstClr val="white"/>
+              </a:solidFill>
+              <a:effectLst/>
+              <a:uLnTx/>
+              <a:uFillTx/>
+              <a:latin typeface="Calibri" panose="020F0502020204030204"/>
+              <a:ea typeface="+mn-ea"/>
+              <a:cs typeface="+mn-cs"/>
+            </a:endParaRPr>
+          </a:p>
+        </p:txBody>
+      </p:sp>
+      <p:pic>
+        <p:nvPicPr>
+          <p:cNvPr id="7" name="Picture 6">
+            <a:extLst>
+              <a:ext uri="{FF2B5EF4-FFF2-40B4-BE49-F238E27FC236}">
+                <a16:creationId xmlns:a16="http://schemas.microsoft.com/office/drawing/2014/main" id="{89B299D1-C51C-4EEC-8451-E41FF17615E2}"/>
+              </a:ext>
+            </a:extLst>
+          </p:cNvPr>
+          <p:cNvPicPr>
+            <a:picLocks noChangeAspect="1"/>
+          </p:cNvPicPr>
+          <p:nvPr/>
+        </p:nvPicPr>
+        <p:blipFill rotWithShape="1">
+          <a:blip r:embed="rId3"/>
+          <a:srcRect l="8630" t="30638" r="12382" b="20993"/>
+          <a:stretch/>
+        </p:blipFill>
+        <p:spPr>
+          <a:xfrm>
+            <a:off x="163045" y="3689551"/>
+            <a:ext cx="7402321" cy="2832987"/>
+          </a:xfrm>
+          <a:prstGeom prst="rect">
+            <a:avLst/>
+          </a:prstGeom>
+          <a:ln w="12700">
+            <a:solidFill>
+              <a:schemeClr val="tx1"/>
+            </a:solidFill>
+          </a:ln>
+        </p:spPr>
+      </p:pic>
+    </p:spTree>
+    <p:extLst>
+      <p:ext uri="{BB962C8B-B14F-4D97-AF65-F5344CB8AC3E}">
+        <p14:creationId xmlns:p14="http://schemas.microsoft.com/office/powerpoint/2010/main" val="482532760"/>
+      </p:ext>
+    </p:extLst>
+  </p:cSld>
+  <p:clrMapOvr>
+    <a:masterClrMapping/>
+  </p:clrMapOvr>
+</p:sld>
+</file>
+
+<file path=ppt/slides/slide2.xml><?xml version="1.0" encoding="utf-8"?>
+<p:sld xmlns:a="http://schemas.openxmlformats.org/drawingml/2006/main" xmlns:r="http://schemas.openxmlformats.org/officeDocument/2006/relationships" xmlns:p="http://schemas.openxmlformats.org/presentationml/2006/main">
+  <p:cSld>
+    <p:spTree>
+      <p:nvGrpSpPr>
+        <p:cNvPr id="1" name=""/>
+        <p:cNvGrpSpPr/>
+        <p:nvPr/>
+      </p:nvGrpSpPr>
+      <p:grpSpPr>
+        <a:xfrm>
+          <a:off x="0" y="0"/>
+          <a:ext cx="0" cy="0"/>
+          <a:chOff x="0" y="0"/>
+          <a:chExt cx="0" cy="0"/>
+        </a:xfrm>
+      </p:grpSpPr>
+      <p:pic>
+        <p:nvPicPr>
+          <p:cNvPr id="3" name="Picture 2">
+            <a:extLst>
+              <a:ext uri="{FF2B5EF4-FFF2-40B4-BE49-F238E27FC236}">
+                <a16:creationId xmlns:a16="http://schemas.microsoft.com/office/drawing/2014/main" id="{AECC995D-D94E-44D7-A930-6605CBCD6CFC}"/>
+              </a:ext>
+            </a:extLst>
+          </p:cNvPr>
+          <p:cNvPicPr>
+            <a:picLocks noChangeAspect="1"/>
+          </p:cNvPicPr>
+          <p:nvPr/>
+        </p:nvPicPr>
+        <p:blipFill rotWithShape="1">
+          <a:blip r:embed="rId2"/>
+          <a:srcRect l="4108" t="18298" r="22400" b="13618"/>
+          <a:stretch/>
+        </p:blipFill>
+        <p:spPr>
+          <a:xfrm>
+            <a:off x="210768" y="160777"/>
+            <a:ext cx="5532751" cy="3203523"/>
+          </a:xfrm>
+          <a:prstGeom prst="rect">
+            <a:avLst/>
+          </a:prstGeom>
+        </p:spPr>
+      </p:pic>
+      <p:pic>
+        <p:nvPicPr>
+          <p:cNvPr id="4" name="Picture 3">
+            <a:extLst>
+              <a:ext uri="{FF2B5EF4-FFF2-40B4-BE49-F238E27FC236}">
+                <a16:creationId xmlns:a16="http://schemas.microsoft.com/office/drawing/2014/main" id="{BDFC60C2-32C2-4D53-8118-FC359E8EC1FF}"/>
+              </a:ext>
+            </a:extLst>
+          </p:cNvPr>
+          <p:cNvPicPr>
+            <a:picLocks noChangeAspect="1"/>
+          </p:cNvPicPr>
+          <p:nvPr/>
+        </p:nvPicPr>
+        <p:blipFill rotWithShape="1">
+          <a:blip r:embed="rId3"/>
+          <a:srcRect l="4108" t="18014" r="53339" b="18440"/>
+          <a:stretch/>
+        </p:blipFill>
+        <p:spPr>
+          <a:xfrm>
+            <a:off x="210768" y="3455248"/>
+            <a:ext cx="3303828" cy="3083573"/>
+          </a:xfrm>
+          <a:prstGeom prst="rect">
+            <a:avLst/>
+          </a:prstGeom>
+        </p:spPr>
+      </p:pic>
+      <p:sp>
+        <p:nvSpPr>
+          <p:cNvPr id="5" name="Rectangle 4">
+            <a:extLst>
+              <a:ext uri="{FF2B5EF4-FFF2-40B4-BE49-F238E27FC236}">
+                <a16:creationId xmlns:a16="http://schemas.microsoft.com/office/drawing/2014/main" id="{1B8401E5-0B5B-4392-A98A-D805F0FC7C62}"/>
+              </a:ext>
+            </a:extLst>
+          </p:cNvPr>
+          <p:cNvSpPr/>
+          <p:nvPr/>
+        </p:nvSpPr>
+        <p:spPr>
+          <a:xfrm>
+            <a:off x="145917" y="155775"/>
+            <a:ext cx="5668287" cy="6383046"/>
+          </a:xfrm>
+          <a:prstGeom prst="rect">
+            <a:avLst/>
+          </a:prstGeom>
+          <a:noFill/>
+          <a:ln w="19050">
+            <a:solidFill>
+              <a:schemeClr val="tx1"/>
+            </a:solidFill>
+          </a:ln>
+        </p:spPr>
+        <p:style>
+          <a:lnRef idx="2">
+            <a:schemeClr val="accent1">
+              <a:shade val="50000"/>
+            </a:schemeClr>
+          </a:lnRef>
+          <a:fillRef idx="1">
+            <a:schemeClr val="accent1"/>
+          </a:fillRef>
+          <a:effectRef idx="0">
+            <a:schemeClr val="accent1"/>
+          </a:effectRef>
+          <a:fontRef idx="minor">
+            <a:schemeClr val="lt1"/>
+          </a:fontRef>
+        </p:style>
+        <p:txBody>
+          <a:bodyPr rtlCol="0" anchor="ctr"/>
+          <a:lstStyle/>
+          <a:p>
+            <a:pPr marL="0" marR="0" lvl="0" indent="0" algn="ctr" defTabSz="914400" rtl="0" eaLnBrk="1" fontAlgn="auto" latinLnBrk="0" hangingPunct="1">
+              <a:lnSpc>
+                <a:spcPct val="100000"/>
+              </a:lnSpc>
+              <a:spcBef>
+                <a:spcPts val="0"/>
+              </a:spcBef>
+              <a:spcAft>
+                <a:spcPts val="0"/>
+              </a:spcAft>
+              <a:buClrTx/>
+              <a:buSzTx/>
+              <a:buFontTx/>
+              <a:buNone/>
+              <a:tabLst/>
+              <a:defRPr/>
+            </a:pPr>
+            <a:endParaRPr kumimoji="0" lang="en-IN" sz="1800" b="0" i="0" u="none" strike="noStrike" kern="1200" cap="none" spc="0" normalizeH="0" baseline="0" noProof="0">
+              <a:ln>
+                <a:noFill/>
+              </a:ln>
+              <a:solidFill>
+                <a:prstClr val="white"/>
+              </a:solidFill>
+              <a:effectLst/>
+              <a:uLnTx/>
+              <a:uFillTx/>
+              <a:latin typeface="Calibri" panose="020F0502020204030204"/>
+              <a:ea typeface="+mn-ea"/>
+              <a:cs typeface="+mn-cs"/>
+            </a:endParaRPr>
+          </a:p>
+        </p:txBody>
+      </p:sp>
+    </p:spTree>
+    <p:extLst>
+      <p:ext uri="{BB962C8B-B14F-4D97-AF65-F5344CB8AC3E}">
+        <p14:creationId xmlns:p14="http://schemas.microsoft.com/office/powerpoint/2010/main" val="3808764264"/>
+      </p:ext>
+    </p:extLst>
+  </p:cSld>
+  <p:clrMapOvr>
+    <a:masterClrMapping/>
+  </p:clrMapOvr>
+</p:sld>
+</file>
+
+<file path=ppt/slides/slide3.xml><?xml version="1.0" encoding="utf-8"?>
+<p:sld xmlns:a="http://schemas.openxmlformats.org/drawingml/2006/main" xmlns:r="http://schemas.openxmlformats.org/officeDocument/2006/relationships" xmlns:p="http://schemas.openxmlformats.org/presentationml/2006/main">
+  <p:cSld>
+    <p:spTree>
+      <p:nvGrpSpPr>
+        <p:cNvPr id="1" name=""/>
+        <p:cNvGrpSpPr/>
+        <p:nvPr/>
+      </p:nvGrpSpPr>
+      <p:grpSpPr>
+        <a:xfrm>
+          <a:off x="0" y="0"/>
+          <a:ext cx="0" cy="0"/>
+          <a:chOff x="0" y="0"/>
+          <a:chExt cx="0" cy="0"/>
+        </a:xfrm>
+      </p:grpSpPr>
+      <p:pic>
+        <p:nvPicPr>
+          <p:cNvPr id="3" name="Picture 2">
+            <a:extLst>
+              <a:ext uri="{FF2B5EF4-FFF2-40B4-BE49-F238E27FC236}">
+                <a16:creationId xmlns:a16="http://schemas.microsoft.com/office/drawing/2014/main" id="{A5A59077-CE31-43E5-AED1-F61D04F03A67}"/>
+              </a:ext>
+            </a:extLst>
+          </p:cNvPr>
+          <p:cNvPicPr>
+            <a:picLocks noChangeAspect="1"/>
+          </p:cNvPicPr>
+          <p:nvPr/>
+        </p:nvPicPr>
+        <p:blipFill rotWithShape="1">
+          <a:blip r:embed="rId2"/>
+          <a:srcRect l="4114" t="18491" r="43449" b="18239"/>
+          <a:stretch/>
+        </p:blipFill>
+        <p:spPr>
+          <a:xfrm>
+            <a:off x="288161" y="227592"/>
+            <a:ext cx="4090779" cy="3084951"/>
+          </a:xfrm>
+          <a:prstGeom prst="rect">
+            <a:avLst/>
+          </a:prstGeom>
+        </p:spPr>
+      </p:pic>
+      <p:pic>
+        <p:nvPicPr>
+          <p:cNvPr id="5" name="Picture 4">
+            <a:extLst>
+              <a:ext uri="{FF2B5EF4-FFF2-40B4-BE49-F238E27FC236}">
+                <a16:creationId xmlns:a16="http://schemas.microsoft.com/office/drawing/2014/main" id="{EE307C26-6868-4457-A8ED-55C81DB89E86}"/>
+              </a:ext>
+            </a:extLst>
+          </p:cNvPr>
+          <p:cNvPicPr>
+            <a:picLocks noChangeAspect="1"/>
+          </p:cNvPicPr>
+          <p:nvPr/>
+        </p:nvPicPr>
+        <p:blipFill rotWithShape="1">
+          <a:blip r:embed="rId3"/>
+          <a:srcRect l="5452" t="50000" r="43290" b="31321"/>
+          <a:stretch/>
+        </p:blipFill>
+        <p:spPr>
+          <a:xfrm>
+            <a:off x="336984" y="3352470"/>
+            <a:ext cx="4090779" cy="931719"/>
+          </a:xfrm>
+          <a:prstGeom prst="rect">
+            <a:avLst/>
+          </a:prstGeom>
+        </p:spPr>
+      </p:pic>
+      <p:pic>
+        <p:nvPicPr>
+          <p:cNvPr id="13" name="Picture 12">
+            <a:extLst>
+              <a:ext uri="{FF2B5EF4-FFF2-40B4-BE49-F238E27FC236}">
+                <a16:creationId xmlns:a16="http://schemas.microsoft.com/office/drawing/2014/main" id="{190B8AD9-3CE2-479A-B218-B7035F601B66}"/>
+              </a:ext>
+            </a:extLst>
+          </p:cNvPr>
+          <p:cNvPicPr>
+            <a:picLocks noChangeAspect="1"/>
+          </p:cNvPicPr>
+          <p:nvPr/>
+        </p:nvPicPr>
+        <p:blipFill rotWithShape="1">
+          <a:blip r:embed="rId4"/>
+          <a:srcRect l="4272" t="18239" r="47694" b="18239"/>
+          <a:stretch/>
+        </p:blipFill>
+        <p:spPr>
+          <a:xfrm>
+            <a:off x="6107338" y="3786699"/>
+            <a:ext cx="3623094" cy="2994537"/>
+          </a:xfrm>
+          <a:prstGeom prst="rect">
+            <a:avLst/>
+          </a:prstGeom>
+        </p:spPr>
+      </p:pic>
+      <p:pic>
+        <p:nvPicPr>
+          <p:cNvPr id="14" name="Picture 13">
+            <a:extLst>
+              <a:ext uri="{FF2B5EF4-FFF2-40B4-BE49-F238E27FC236}">
+                <a16:creationId xmlns:a16="http://schemas.microsoft.com/office/drawing/2014/main" id="{B958B0D8-9FAE-45C2-A651-1856DB5F6901}"/>
+              </a:ext>
+            </a:extLst>
+          </p:cNvPr>
+          <p:cNvPicPr>
+            <a:picLocks noChangeAspect="1"/>
+          </p:cNvPicPr>
+          <p:nvPr/>
+        </p:nvPicPr>
+        <p:blipFill rotWithShape="1">
+          <a:blip r:embed="rId5"/>
+          <a:srcRect l="4193" t="18616" r="46358" b="11950"/>
+          <a:stretch/>
+        </p:blipFill>
+        <p:spPr>
+          <a:xfrm>
+            <a:off x="6107338" y="109944"/>
+            <a:ext cx="3902400" cy="3424683"/>
+          </a:xfrm>
+          <a:prstGeom prst="rect">
+            <a:avLst/>
+          </a:prstGeom>
+        </p:spPr>
+      </p:pic>
+      <p:pic>
+        <p:nvPicPr>
+          <p:cNvPr id="15" name="Picture 14">
+            <a:extLst>
+              <a:ext uri="{FF2B5EF4-FFF2-40B4-BE49-F238E27FC236}">
+                <a16:creationId xmlns:a16="http://schemas.microsoft.com/office/drawing/2014/main" id="{B0E22615-9C54-46A4-B0EB-5F8A9AA01691}"/>
+              </a:ext>
+            </a:extLst>
+          </p:cNvPr>
+          <p:cNvPicPr>
+            <a:picLocks noChangeAspect="1"/>
+          </p:cNvPicPr>
+          <p:nvPr/>
+        </p:nvPicPr>
+        <p:blipFill rotWithShape="1">
+          <a:blip r:embed="rId6"/>
+          <a:srcRect l="14492" t="37233" r="19313" b="57798"/>
+          <a:stretch/>
+        </p:blipFill>
+        <p:spPr>
+          <a:xfrm>
+            <a:off x="6932600" y="3538405"/>
+            <a:ext cx="4994694" cy="234311"/>
+          </a:xfrm>
+          <a:prstGeom prst="rect">
+            <a:avLst/>
+          </a:prstGeom>
+        </p:spPr>
+      </p:pic>
+      <p:sp>
+        <p:nvSpPr>
+          <p:cNvPr id="16" name="Rectangle 15">
+            <a:extLst>
+              <a:ext uri="{FF2B5EF4-FFF2-40B4-BE49-F238E27FC236}">
+                <a16:creationId xmlns:a16="http://schemas.microsoft.com/office/drawing/2014/main" id="{EFA82E2B-8D8F-4CB0-BFB4-BF509058DBEF}"/>
+              </a:ext>
+            </a:extLst>
+          </p:cNvPr>
+          <p:cNvSpPr/>
+          <p:nvPr/>
+        </p:nvSpPr>
+        <p:spPr>
+          <a:xfrm>
+            <a:off x="5986568" y="76764"/>
+            <a:ext cx="5975230" cy="6704472"/>
+          </a:xfrm>
+          <a:prstGeom prst="rect">
+            <a:avLst/>
+          </a:prstGeom>
+          <a:noFill/>
+          <a:ln w="19050">
+            <a:solidFill>
+              <a:schemeClr val="tx1"/>
+            </a:solidFill>
+          </a:ln>
+        </p:spPr>
+        <p:style>
+          <a:lnRef idx="2">
+            <a:schemeClr val="accent1">
+              <a:shade val="50000"/>
+            </a:schemeClr>
+          </a:lnRef>
+          <a:fillRef idx="1">
+            <a:schemeClr val="accent1"/>
+          </a:fillRef>
+          <a:effectRef idx="0">
+            <a:schemeClr val="accent1"/>
+          </a:effectRef>
+          <a:fontRef idx="minor">
+            <a:schemeClr val="lt1"/>
+          </a:fontRef>
+        </p:style>
+        <p:txBody>
+          <a:bodyPr rtlCol="0" anchor="ctr"/>
+          <a:lstStyle/>
+          <a:p>
+            <a:pPr marL="0" marR="0" lvl="0" indent="0" algn="ctr" defTabSz="914400" rtl="0" eaLnBrk="1" fontAlgn="auto" latinLnBrk="0" hangingPunct="1">
+              <a:lnSpc>
+                <a:spcPct val="100000"/>
+              </a:lnSpc>
+              <a:spcBef>
+                <a:spcPts val="0"/>
+              </a:spcBef>
+              <a:spcAft>
+                <a:spcPts val="0"/>
+              </a:spcAft>
+              <a:buClrTx/>
+              <a:buSzTx/>
+              <a:buFontTx/>
+              <a:buNone/>
+              <a:tabLst/>
+              <a:defRPr/>
+            </a:pPr>
+            <a:endParaRPr kumimoji="0" lang="en-IN" sz="1800" b="0" i="0" u="none" strike="noStrike" kern="1200" cap="none" spc="0" normalizeH="0" baseline="0" noProof="0">
+              <a:ln>
+                <a:noFill/>
+              </a:ln>
+              <a:solidFill>
+                <a:prstClr val="white"/>
+              </a:solidFill>
+              <a:effectLst/>
+              <a:uLnTx/>
+              <a:uFillTx/>
+              <a:latin typeface="Calibri" panose="020F0502020204030204"/>
+              <a:ea typeface="+mn-ea"/>
+              <a:cs typeface="+mn-cs"/>
+            </a:endParaRPr>
+          </a:p>
+        </p:txBody>
+      </p:sp>
+      <p:sp>
+        <p:nvSpPr>
+          <p:cNvPr id="17" name="Rectangle 16">
+            <a:extLst>
+              <a:ext uri="{FF2B5EF4-FFF2-40B4-BE49-F238E27FC236}">
+                <a16:creationId xmlns:a16="http://schemas.microsoft.com/office/drawing/2014/main" id="{B2570E29-8E0F-477B-9A6C-FDD91477CF60}"/>
+              </a:ext>
+            </a:extLst>
+          </p:cNvPr>
+          <p:cNvSpPr/>
+          <p:nvPr/>
+        </p:nvSpPr>
+        <p:spPr>
+          <a:xfrm>
+            <a:off x="223328" y="211575"/>
+            <a:ext cx="4204435" cy="4144765"/>
+          </a:xfrm>
+          <a:prstGeom prst="rect">
+            <a:avLst/>
+          </a:prstGeom>
+          <a:noFill/>
+          <a:ln w="19050">
+            <a:solidFill>
+              <a:schemeClr val="tx1"/>
+            </a:solidFill>
+          </a:ln>
+        </p:spPr>
+        <p:style>
+          <a:lnRef idx="2">
+            <a:schemeClr val="accent1">
+              <a:shade val="50000"/>
+            </a:schemeClr>
+          </a:lnRef>
+          <a:fillRef idx="1">
+            <a:schemeClr val="accent1"/>
+          </a:fillRef>
+          <a:effectRef idx="0">
+            <a:schemeClr val="accent1"/>
+          </a:effectRef>
+          <a:fontRef idx="minor">
+            <a:schemeClr val="lt1"/>
+          </a:fontRef>
+        </p:style>
+        <p:txBody>
+          <a:bodyPr rtlCol="0" anchor="ctr"/>
+          <a:lstStyle/>
+          <a:p>
+            <a:pPr marL="0" marR="0" lvl="0" indent="0" algn="ctr" defTabSz="914400" rtl="0" eaLnBrk="1" fontAlgn="auto" latinLnBrk="0" hangingPunct="1">
+              <a:lnSpc>
+                <a:spcPct val="100000"/>
+              </a:lnSpc>
+              <a:spcBef>
+                <a:spcPts val="0"/>
+              </a:spcBef>
+              <a:spcAft>
+                <a:spcPts val="0"/>
+              </a:spcAft>
+              <a:buClrTx/>
+              <a:buSzTx/>
+              <a:buFontTx/>
+              <a:buNone/>
+              <a:tabLst/>
+              <a:defRPr/>
+            </a:pPr>
+            <a:endParaRPr kumimoji="0" lang="en-IN" sz="1800" b="0" i="0" u="none" strike="noStrike" kern="1200" cap="none" spc="0" normalizeH="0" baseline="0" noProof="0">
+              <a:ln>
+                <a:noFill/>
+              </a:ln>
+              <a:solidFill>
+                <a:prstClr val="white"/>
+              </a:solidFill>
+              <a:effectLst/>
+              <a:uLnTx/>
+              <a:uFillTx/>
+              <a:latin typeface="Calibri" panose="020F0502020204030204"/>
+              <a:ea typeface="+mn-ea"/>
+              <a:cs typeface="+mn-cs"/>
+            </a:endParaRPr>
+          </a:p>
+        </p:txBody>
+      </p:sp>
+    </p:spTree>
+    <p:extLst>
+      <p:ext uri="{BB962C8B-B14F-4D97-AF65-F5344CB8AC3E}">
+        <p14:creationId xmlns:p14="http://schemas.microsoft.com/office/powerpoint/2010/main" val="2778576737"/>
+      </p:ext>
+    </p:extLst>
+  </p:cSld>
+  <p:clrMapOvr>
+    <a:masterClrMapping/>
+  </p:clrMapOvr>
+</p:sld>
+</file>
+
+<file path=ppt/slides/slide4.xml><?xml version="1.0" encoding="utf-8"?>
 <p:sld xmlns:a="http://schemas.openxmlformats.org/drawingml/2006/main" xmlns:r="http://schemas.openxmlformats.org/officeDocument/2006/relationships" xmlns:p="http://schemas.openxmlformats.org/presentationml/2006/main">
   <p:cSld>
     <p:spTree>
